--- a/LABS2425/5/ip_5.pptx
+++ b/LABS2425/5/ip_5.pptx
@@ -20,9 +20,9 @@
     <p:sldId id="271" r:id="rId14"/>
     <p:sldId id="272" r:id="rId15"/>
     <p:sldId id="276" r:id="rId16"/>
-    <p:sldId id="274" r:id="rId17"/>
-    <p:sldId id="275" r:id="rId18"/>
-    <p:sldId id="273" r:id="rId19"/>
+    <p:sldId id="273" r:id="rId17"/>
+    <p:sldId id="274" r:id="rId18"/>
+    <p:sldId id="275" r:id="rId19"/>
     <p:sldId id="277" r:id="rId20"/>
   </p:sldIdLst>
   <p:sldSz cx="12192000" cy="6858000"/>
@@ -133,7 +133,7 @@
 <file path=ppt/revisionInfo.xml><?xml version="1.0" encoding="utf-8"?>
 <p1510:revInfo xmlns:a="http://schemas.openxmlformats.org/drawingml/2006/main" xmlns:r="http://schemas.openxmlformats.org/officeDocument/2006/relationships" xmlns:p1510="http://schemas.microsoft.com/office/powerpoint/2015/10/main">
   <p1510:revLst>
-    <p1510:client id="{C790A2CB-A835-4D01-A5A6-FB0897647B9E}" v="159" dt="2024-11-22T09:23:53.007"/>
+    <p1510:client id="{C790A2CB-A835-4D01-A5A6-FB0897647B9E}" v="188" dt="2024-11-23T07:57:43.401"/>
   </p1510:revLst>
 </p1510:revInfo>
 </file>
@@ -143,7 +143,7 @@
   <pc:docChgLst>
     <pc:chgData name="Ahmed Mahmoud" userId="a520bb48-7c22-4e5d-98d7-2bd178c8dd0a" providerId="ADAL" clId="{C790A2CB-A835-4D01-A5A6-FB0897647B9E}"/>
     <pc:docChg chg="undo custSel addSld delSld modSld sldOrd addMainMaster delMainMaster modMainMaster">
-      <pc:chgData name="Ahmed Mahmoud" userId="a520bb48-7c22-4e5d-98d7-2bd178c8dd0a" providerId="ADAL" clId="{C790A2CB-A835-4D01-A5A6-FB0897647B9E}" dt="2024-11-22T09:24:06.204" v="1191" actId="20577"/>
+      <pc:chgData name="Ahmed Mahmoud" userId="a520bb48-7c22-4e5d-98d7-2bd178c8dd0a" providerId="ADAL" clId="{C790A2CB-A835-4D01-A5A6-FB0897647B9E}" dt="2024-11-23T07:57:43.401" v="1252" actId="12269"/>
       <pc:docMkLst>
         <pc:docMk/>
       </pc:docMkLst>
@@ -187,7 +187,7 @@
         </pc:picChg>
       </pc:sldChg>
       <pc:sldChg chg="addSp modSp new mod">
-        <pc:chgData name="Ahmed Mahmoud" userId="a520bb48-7c22-4e5d-98d7-2bd178c8dd0a" providerId="ADAL" clId="{C790A2CB-A835-4D01-A5A6-FB0897647B9E}" dt="2024-11-22T09:24:06.204" v="1191" actId="20577"/>
+        <pc:chgData name="Ahmed Mahmoud" userId="a520bb48-7c22-4e5d-98d7-2bd178c8dd0a" providerId="ADAL" clId="{C790A2CB-A835-4D01-A5A6-FB0897647B9E}" dt="2024-11-23T07:54:32.254" v="1250" actId="113"/>
         <pc:sldMkLst>
           <pc:docMk/>
           <pc:sldMk cId="1374042740" sldId="257"/>
@@ -201,7 +201,7 @@
           </ac:spMkLst>
         </pc:spChg>
         <pc:spChg chg="mod">
-          <ac:chgData name="Ahmed Mahmoud" userId="a520bb48-7c22-4e5d-98d7-2bd178c8dd0a" providerId="ADAL" clId="{C790A2CB-A835-4D01-A5A6-FB0897647B9E}" dt="2024-11-22T08:23:06.752" v="531" actId="2711"/>
+          <ac:chgData name="Ahmed Mahmoud" userId="a520bb48-7c22-4e5d-98d7-2bd178c8dd0a" providerId="ADAL" clId="{C790A2CB-A835-4D01-A5A6-FB0897647B9E}" dt="2024-11-23T07:54:32.254" v="1250" actId="113"/>
           <ac:spMkLst>
             <pc:docMk/>
             <pc:sldMk cId="1374042740" sldId="257"/>
@@ -209,7 +209,7 @@
           </ac:spMkLst>
         </pc:spChg>
         <pc:spChg chg="add mod">
-          <ac:chgData name="Ahmed Mahmoud" userId="a520bb48-7c22-4e5d-98d7-2bd178c8dd0a" providerId="ADAL" clId="{C790A2CB-A835-4D01-A5A6-FB0897647B9E}" dt="2024-11-22T09:24:06.204" v="1191" actId="20577"/>
+          <ac:chgData name="Ahmed Mahmoud" userId="a520bb48-7c22-4e5d-98d7-2bd178c8dd0a" providerId="ADAL" clId="{C790A2CB-A835-4D01-A5A6-FB0897647B9E}" dt="2024-11-22T09:34:51.709" v="1220" actId="1076"/>
           <ac:spMkLst>
             <pc:docMk/>
             <pc:sldMk cId="1374042740" sldId="257"/>
@@ -232,7 +232,7 @@
         </pc:sldMkLst>
       </pc:sldChg>
       <pc:sldChg chg="modSp new mod">
-        <pc:chgData name="Ahmed Mahmoud" userId="a520bb48-7c22-4e5d-98d7-2bd178c8dd0a" providerId="ADAL" clId="{C790A2CB-A835-4D01-A5A6-FB0897647B9E}" dt="2024-11-22T08:30:19.951" v="615" actId="27636"/>
+        <pc:chgData name="Ahmed Mahmoud" userId="a520bb48-7c22-4e5d-98d7-2bd178c8dd0a" providerId="ADAL" clId="{C790A2CB-A835-4D01-A5A6-FB0897647B9E}" dt="2024-11-22T09:33:08.871" v="1192" actId="207"/>
         <pc:sldMkLst>
           <pc:docMk/>
           <pc:sldMk cId="3746908973" sldId="260"/>
@@ -246,7 +246,7 @@
           </ac:spMkLst>
         </pc:spChg>
         <pc:spChg chg="mod">
-          <ac:chgData name="Ahmed Mahmoud" userId="a520bb48-7c22-4e5d-98d7-2bd178c8dd0a" providerId="ADAL" clId="{C790A2CB-A835-4D01-A5A6-FB0897647B9E}" dt="2024-11-22T08:30:19.951" v="615" actId="27636"/>
+          <ac:chgData name="Ahmed Mahmoud" userId="a520bb48-7c22-4e5d-98d7-2bd178c8dd0a" providerId="ADAL" clId="{C790A2CB-A835-4D01-A5A6-FB0897647B9E}" dt="2024-11-22T09:33:08.871" v="1192" actId="207"/>
           <ac:spMkLst>
             <pc:docMk/>
             <pc:sldMk cId="3746908973" sldId="260"/>
@@ -301,7 +301,7 @@
         </pc:spChg>
       </pc:sldChg>
       <pc:sldChg chg="modSp add mod ord">
-        <pc:chgData name="Ahmed Mahmoud" userId="a520bb48-7c22-4e5d-98d7-2bd178c8dd0a" providerId="ADAL" clId="{C790A2CB-A835-4D01-A5A6-FB0897647B9E}" dt="2024-11-22T08:30:54.147" v="624" actId="255"/>
+        <pc:chgData name="Ahmed Mahmoud" userId="a520bb48-7c22-4e5d-98d7-2bd178c8dd0a" providerId="ADAL" clId="{C790A2CB-A835-4D01-A5A6-FB0897647B9E}" dt="2024-11-22T09:33:17.058" v="1193" actId="207"/>
         <pc:sldMkLst>
           <pc:docMk/>
           <pc:sldMk cId="3084374357" sldId="263"/>
@@ -315,7 +315,7 @@
           </ac:spMkLst>
         </pc:spChg>
         <pc:spChg chg="mod">
-          <ac:chgData name="Ahmed Mahmoud" userId="a520bb48-7c22-4e5d-98d7-2bd178c8dd0a" providerId="ADAL" clId="{C790A2CB-A835-4D01-A5A6-FB0897647B9E}" dt="2024-11-22T08:30:54.147" v="624" actId="255"/>
+          <ac:chgData name="Ahmed Mahmoud" userId="a520bb48-7c22-4e5d-98d7-2bd178c8dd0a" providerId="ADAL" clId="{C790A2CB-A835-4D01-A5A6-FB0897647B9E}" dt="2024-11-22T09:33:17.058" v="1193" actId="207"/>
           <ac:spMkLst>
             <pc:docMk/>
             <pc:sldMk cId="3084374357" sldId="263"/>
@@ -347,7 +347,7 @@
         </pc:spChg>
       </pc:sldChg>
       <pc:sldChg chg="modSp new mod ord">
-        <pc:chgData name="Ahmed Mahmoud" userId="a520bb48-7c22-4e5d-98d7-2bd178c8dd0a" providerId="ADAL" clId="{C790A2CB-A835-4D01-A5A6-FB0897647B9E}" dt="2024-11-22T09:04:49.547" v="861" actId="6549"/>
+        <pc:chgData name="Ahmed Mahmoud" userId="a520bb48-7c22-4e5d-98d7-2bd178c8dd0a" providerId="ADAL" clId="{C790A2CB-A835-4D01-A5A6-FB0897647B9E}" dt="2024-11-23T07:55:50.489" v="1251" actId="20577"/>
         <pc:sldMkLst>
           <pc:docMk/>
           <pc:sldMk cId="2560114739" sldId="265"/>
@@ -361,7 +361,7 @@
           </ac:spMkLst>
         </pc:spChg>
         <pc:spChg chg="mod">
-          <ac:chgData name="Ahmed Mahmoud" userId="a520bb48-7c22-4e5d-98d7-2bd178c8dd0a" providerId="ADAL" clId="{C790A2CB-A835-4D01-A5A6-FB0897647B9E}" dt="2024-11-22T09:04:49.547" v="861" actId="6549"/>
+          <ac:chgData name="Ahmed Mahmoud" userId="a520bb48-7c22-4e5d-98d7-2bd178c8dd0a" providerId="ADAL" clId="{C790A2CB-A835-4D01-A5A6-FB0897647B9E}" dt="2024-11-23T07:55:50.489" v="1251" actId="20577"/>
           <ac:spMkLst>
             <pc:docMk/>
             <pc:sldMk cId="2560114739" sldId="265"/>
@@ -392,8 +392,8 @@
           </ac:spMkLst>
         </pc:spChg>
       </pc:sldChg>
-      <pc:sldChg chg="modSp add mod">
-        <pc:chgData name="Ahmed Mahmoud" userId="a520bb48-7c22-4e5d-98d7-2bd178c8dd0a" providerId="ADAL" clId="{C790A2CB-A835-4D01-A5A6-FB0897647B9E}" dt="2024-11-22T08:44:56.063" v="679" actId="313"/>
+      <pc:sldChg chg="addSp modSp add mod">
+        <pc:chgData name="Ahmed Mahmoud" userId="a520bb48-7c22-4e5d-98d7-2bd178c8dd0a" providerId="ADAL" clId="{C790A2CB-A835-4D01-A5A6-FB0897647B9E}" dt="2024-11-22T09:34:38.999" v="1217" actId="1076"/>
         <pc:sldMkLst>
           <pc:docMk/>
           <pc:sldMk cId="2571386600" sldId="267"/>
@@ -412,6 +412,14 @@
             <pc:docMk/>
             <pc:sldMk cId="2571386600" sldId="267"/>
             <ac:spMk id="3" creationId="{C9CAA725-F586-3497-79E6-3A1F80D3446C}"/>
+          </ac:spMkLst>
+        </pc:spChg>
+        <pc:spChg chg="add mod">
+          <ac:chgData name="Ahmed Mahmoud" userId="a520bb48-7c22-4e5d-98d7-2bd178c8dd0a" providerId="ADAL" clId="{C790A2CB-A835-4D01-A5A6-FB0897647B9E}" dt="2024-11-22T09:34:38.999" v="1217" actId="1076"/>
+          <ac:spMkLst>
+            <pc:docMk/>
+            <pc:sldMk cId="2571386600" sldId="267"/>
+            <ac:spMk id="5" creationId="{A815B7A0-579E-9838-53EE-DECD70F7CA00}"/>
           </ac:spMkLst>
         </pc:spChg>
       </pc:sldChg>
@@ -494,7 +502,7 @@
         </pc:picChg>
       </pc:sldChg>
       <pc:sldChg chg="modSp add mod ord">
-        <pc:chgData name="Ahmed Mahmoud" userId="a520bb48-7c22-4e5d-98d7-2bd178c8dd0a" providerId="ADAL" clId="{C790A2CB-A835-4D01-A5A6-FB0897647B9E}" dt="2024-11-22T09:05:05.219" v="862" actId="20577"/>
+        <pc:chgData name="Ahmed Mahmoud" userId="a520bb48-7c22-4e5d-98d7-2bd178c8dd0a" providerId="ADAL" clId="{C790A2CB-A835-4D01-A5A6-FB0897647B9E}" dt="2024-11-22T09:33:38.213" v="1195" actId="207"/>
         <pc:sldMkLst>
           <pc:docMk/>
           <pc:sldMk cId="3143675394" sldId="270"/>
@@ -508,7 +516,7 @@
           </ac:spMkLst>
         </pc:spChg>
         <pc:spChg chg="mod">
-          <ac:chgData name="Ahmed Mahmoud" userId="a520bb48-7c22-4e5d-98d7-2bd178c8dd0a" providerId="ADAL" clId="{C790A2CB-A835-4D01-A5A6-FB0897647B9E}" dt="2024-11-22T09:04:41.601" v="854" actId="6549"/>
+          <ac:chgData name="Ahmed Mahmoud" userId="a520bb48-7c22-4e5d-98d7-2bd178c8dd0a" providerId="ADAL" clId="{C790A2CB-A835-4D01-A5A6-FB0897647B9E}" dt="2024-11-22T09:33:38.213" v="1195" actId="207"/>
           <ac:spMkLst>
             <pc:docMk/>
             <pc:sldMk cId="3143675394" sldId="270"/>
@@ -562,8 +570,8 @@
           </ac:spMkLst>
         </pc:spChg>
       </pc:sldChg>
-      <pc:sldChg chg="addSp delSp modSp new mod">
-        <pc:chgData name="Ahmed Mahmoud" userId="a520bb48-7c22-4e5d-98d7-2bd178c8dd0a" providerId="ADAL" clId="{C790A2CB-A835-4D01-A5A6-FB0897647B9E}" dt="2024-11-22T09:23:53.007" v="1189" actId="20577"/>
+      <pc:sldChg chg="addSp delSp modSp new mod ord">
+        <pc:chgData name="Ahmed Mahmoud" userId="a520bb48-7c22-4e5d-98d7-2bd178c8dd0a" providerId="ADAL" clId="{C790A2CB-A835-4D01-A5A6-FB0897647B9E}" dt="2024-11-23T07:57:43.401" v="1252" actId="12269"/>
         <pc:sldMkLst>
           <pc:docMk/>
           <pc:sldMk cId="3125122101" sldId="273"/>
@@ -585,7 +593,7 @@
           </ac:spMkLst>
         </pc:spChg>
         <pc:graphicFrameChg chg="add mod modGraphic">
-          <ac:chgData name="Ahmed Mahmoud" userId="a520bb48-7c22-4e5d-98d7-2bd178c8dd0a" providerId="ADAL" clId="{C790A2CB-A835-4D01-A5A6-FB0897647B9E}" dt="2024-11-22T09:23:53.007" v="1189" actId="20577"/>
+          <ac:chgData name="Ahmed Mahmoud" userId="a520bb48-7c22-4e5d-98d7-2bd178c8dd0a" providerId="ADAL" clId="{C790A2CB-A835-4D01-A5A6-FB0897647B9E}" dt="2024-11-23T07:57:43.401" v="1252" actId="12269"/>
           <ac:graphicFrameMkLst>
             <pc:docMk/>
             <pc:sldMk cId="3125122101" sldId="273"/>
@@ -663,8 +671,8 @@
           </ac:picMkLst>
         </pc:picChg>
       </pc:sldChg>
-      <pc:sldChg chg="addSp delSp modSp new mod">
-        <pc:chgData name="Ahmed Mahmoud" userId="a520bb48-7c22-4e5d-98d7-2bd178c8dd0a" providerId="ADAL" clId="{C790A2CB-A835-4D01-A5A6-FB0897647B9E}" dt="2024-11-22T09:18:10.396" v="1149" actId="1582"/>
+      <pc:sldChg chg="addSp delSp modSp new mod modAnim">
+        <pc:chgData name="Ahmed Mahmoud" userId="a520bb48-7c22-4e5d-98d7-2bd178c8dd0a" providerId="ADAL" clId="{C790A2CB-A835-4D01-A5A6-FB0897647B9E}" dt="2024-11-23T06:33:19.511" v="1244"/>
         <pc:sldMkLst>
           <pc:docMk/>
           <pc:sldMk cId="982164483" sldId="276"/>
@@ -5697,7 +5705,7 @@
           <a:p>
             <a:fld id="{4B5C2647-8840-42CF-B2FC-2D5F17C08570}" type="datetimeFigureOut">
               <a:rPr lang="en-US" smtClean="0"/>
-              <a:t>11/22/2024</a:t>
+              <a:t>11/23/2024</a:t>
             </a:fld>
             <a:endParaRPr lang="en-US"/>
           </a:p>
@@ -5895,7 +5903,7 @@
           <a:p>
             <a:fld id="{4B5C2647-8840-42CF-B2FC-2D5F17C08570}" type="datetimeFigureOut">
               <a:rPr lang="en-US" smtClean="0"/>
-              <a:t>11/22/2024</a:t>
+              <a:t>11/23/2024</a:t>
             </a:fld>
             <a:endParaRPr lang="en-US"/>
           </a:p>
@@ -6103,7 +6111,7 @@
           <a:p>
             <a:fld id="{4B5C2647-8840-42CF-B2FC-2D5F17C08570}" type="datetimeFigureOut">
               <a:rPr lang="en-US" smtClean="0"/>
-              <a:t>11/22/2024</a:t>
+              <a:t>11/23/2024</a:t>
             </a:fld>
             <a:endParaRPr lang="en-US"/>
           </a:p>
@@ -6301,7 +6309,7 @@
           <a:p>
             <a:fld id="{4B5C2647-8840-42CF-B2FC-2D5F17C08570}" type="datetimeFigureOut">
               <a:rPr lang="en-US" smtClean="0"/>
-              <a:t>11/22/2024</a:t>
+              <a:t>11/23/2024</a:t>
             </a:fld>
             <a:endParaRPr lang="en-US"/>
           </a:p>
@@ -6576,7 +6584,7 @@
           <a:p>
             <a:fld id="{4B5C2647-8840-42CF-B2FC-2D5F17C08570}" type="datetimeFigureOut">
               <a:rPr lang="en-US" smtClean="0"/>
-              <a:t>11/22/2024</a:t>
+              <a:t>11/23/2024</a:t>
             </a:fld>
             <a:endParaRPr lang="en-US"/>
           </a:p>
@@ -6841,7 +6849,7 @@
           <a:p>
             <a:fld id="{4B5C2647-8840-42CF-B2FC-2D5F17C08570}" type="datetimeFigureOut">
               <a:rPr lang="en-US" smtClean="0"/>
-              <a:t>11/22/2024</a:t>
+              <a:t>11/23/2024</a:t>
             </a:fld>
             <a:endParaRPr lang="en-US"/>
           </a:p>
@@ -7253,7 +7261,7 @@
           <a:p>
             <a:fld id="{4B5C2647-8840-42CF-B2FC-2D5F17C08570}" type="datetimeFigureOut">
               <a:rPr lang="en-US" smtClean="0"/>
-              <a:t>11/22/2024</a:t>
+              <a:t>11/23/2024</a:t>
             </a:fld>
             <a:endParaRPr lang="en-US"/>
           </a:p>
@@ -7394,7 +7402,7 @@
           <a:p>
             <a:fld id="{4B5C2647-8840-42CF-B2FC-2D5F17C08570}" type="datetimeFigureOut">
               <a:rPr lang="en-US" smtClean="0"/>
-              <a:t>11/22/2024</a:t>
+              <a:t>11/23/2024</a:t>
             </a:fld>
             <a:endParaRPr lang="en-US"/>
           </a:p>
@@ -7507,7 +7515,7 @@
           <a:p>
             <a:fld id="{4B5C2647-8840-42CF-B2FC-2D5F17C08570}" type="datetimeFigureOut">
               <a:rPr lang="en-US" smtClean="0"/>
-              <a:t>11/22/2024</a:t>
+              <a:t>11/23/2024</a:t>
             </a:fld>
             <a:endParaRPr lang="en-US"/>
           </a:p>
@@ -7818,7 +7826,7 @@
           <a:p>
             <a:fld id="{4B5C2647-8840-42CF-B2FC-2D5F17C08570}" type="datetimeFigureOut">
               <a:rPr lang="en-US" smtClean="0"/>
-              <a:t>11/22/2024</a:t>
+              <a:t>11/23/2024</a:t>
             </a:fld>
             <a:endParaRPr lang="en-US"/>
           </a:p>
@@ -8106,7 +8114,7 @@
           <a:p>
             <a:fld id="{4B5C2647-8840-42CF-B2FC-2D5F17C08570}" type="datetimeFigureOut">
               <a:rPr lang="en-US" smtClean="0"/>
-              <a:t>11/22/2024</a:t>
+              <a:t>11/23/2024</a:t>
             </a:fld>
             <a:endParaRPr lang="en-US"/>
           </a:p>
@@ -8347,7 +8355,7 @@
           <a:p>
             <a:fld id="{4B5C2647-8840-42CF-B2FC-2D5F17C08570}" type="datetimeFigureOut">
               <a:rPr lang="en-US" smtClean="0"/>
-              <a:t>11/22/2024</a:t>
+              <a:t>11/23/2024</a:t>
             </a:fld>
             <a:endParaRPr lang="en-US"/>
           </a:p>
@@ -8852,8 +8860,8 @@
         </p:nvSpPr>
         <p:spPr>
           <a:xfrm>
-            <a:off x="0" y="6488668"/>
-            <a:ext cx="12192000" cy="369332"/>
+            <a:off x="0" y="6581001"/>
+            <a:ext cx="12192000" cy="276999"/>
           </a:xfrm>
           <a:prstGeom prst="rect">
             <a:avLst/>
@@ -8867,10 +8875,7 @@
           <a:lstStyle/>
           <a:p>
             <a:r>
-              <a:rPr lang="en-US" sz="1800" u="sng" dirty="0">
-                <a:solidFill>
-                  <a:srgbClr val="0066FF"/>
-                </a:solidFill>
+              <a:rPr lang="en-US" sz="1200" u="sng" dirty="0">
                 <a:effectLst/>
                 <a:latin typeface="Aptos Mono" panose="020B0009020202020204" pitchFamily="49" charset="0"/>
                 <a:hlinkClick r:id="rId2">
@@ -8884,20 +8889,13 @@
               <a:t>https://github.com/qassasahmed/ip/tree/main/LABS2425/</a:t>
             </a:r>
             <a:r>
-              <a:rPr lang="en-US" sz="1800" u="sng" dirty="0">
-                <a:solidFill>
-                  <a:srgbClr val="0066FF"/>
-                </a:solidFill>
+              <a:rPr lang="en-US" sz="1200" u="sng" dirty="0">
                 <a:effectLst/>
                 <a:latin typeface="Aptos Mono" panose="020B0009020202020204" pitchFamily="49" charset="0"/>
               </a:rPr>
               <a:t>5</a:t>
             </a:r>
-            <a:endParaRPr lang="en-US" dirty="0">
-              <a:solidFill>
-                <a:srgbClr val="0066FF"/>
-              </a:solidFill>
-            </a:endParaRPr>
+            <a:endParaRPr lang="en-US" sz="1200" dirty="0"/>
           </a:p>
         </p:txBody>
       </p:sp>
@@ -9881,19 +9879,19 @@
             </a:r>
             <a:r>
               <a:rPr lang="en-US" sz="1800" b="0" u="sng" dirty="0">
-                <a:solidFill>
-                  <a:srgbClr val="3B3B3B"/>
-                </a:solidFill>
-                <a:effectLst/>
-                <a:latin typeface="Aptos Mono" panose="020B0009020202020204" pitchFamily="49" charset="0"/>
-                <a:hlinkClick r:id="rId2"/>
+                <a:effectLst/>
+                <a:latin typeface="Aptos Mono" panose="020B0009020202020204" pitchFamily="49" charset="0"/>
+                <a:hlinkClick r:id="rId2">
+                  <a:extLst>
+                    <a:ext uri="{A12FA001-AC4F-418D-AE19-62706E023703}">
+                      <ahyp:hlinkClr xmlns:ahyp="http://schemas.microsoft.com/office/drawing/2018/hyperlinkcolor" val="tx"/>
+                    </a:ext>
+                  </a:extLst>
+                </a:hlinkClick>
               </a:rPr>
               <a:t>https://github.com/qassasahmed/ip/tree/main/LABS2425/4</a:t>
             </a:r>
             <a:endParaRPr lang="en-US" sz="1800" u="sng" dirty="0">
-              <a:solidFill>
-                <a:srgbClr val="3B3B3B"/>
-              </a:solidFill>
               <a:latin typeface="Aptos Mono" panose="020B0009020202020204" pitchFamily="49" charset="0"/>
             </a:endParaRPr>
           </a:p>
@@ -11729,10 +11727,157 @@
   <p:clrMapOvr>
     <a:masterClrMapping/>
   </p:clrMapOvr>
+  <p:timing>
+    <p:tnLst>
+      <p:par>
+        <p:cTn id="1" dur="indefinite" restart="never" nodeType="tmRoot">
+          <p:childTnLst>
+            <p:seq concurrent="1" nextAc="seek">
+              <p:cTn id="2" dur="indefinite" nodeType="mainSeq">
+                <p:childTnLst>
+                  <p:par>
+                    <p:cTn id="3" fill="hold">
+                      <p:stCondLst>
+                        <p:cond delay="indefinite"/>
+                      </p:stCondLst>
+                      <p:childTnLst>
+                        <p:par>
+                          <p:cTn id="4" fill="hold">
+                            <p:stCondLst>
+                              <p:cond delay="0"/>
+                            </p:stCondLst>
+                            <p:childTnLst>
+                              <p:par>
+                                <p:cTn id="5" presetID="10" presetClass="entr" presetSubtype="0" fill="hold" grpId="0" nodeType="clickEffect">
+                                  <p:stCondLst>
+                                    <p:cond delay="0"/>
+                                  </p:stCondLst>
+                                  <p:childTnLst>
+                                    <p:set>
+                                      <p:cBhvr>
+                                        <p:cTn id="6" dur="1" fill="hold">
+                                          <p:stCondLst>
+                                            <p:cond delay="0"/>
+                                          </p:stCondLst>
+                                        </p:cTn>
+                                        <p:tgtEl>
+                                          <p:spTgt spid="10"/>
+                                        </p:tgtEl>
+                                        <p:attrNameLst>
+                                          <p:attrName>style.visibility</p:attrName>
+                                        </p:attrNameLst>
+                                      </p:cBhvr>
+                                      <p:to>
+                                        <p:strVal val="visible"/>
+                                      </p:to>
+                                    </p:set>
+                                    <p:animEffect transition="in" filter="fade">
+                                      <p:cBhvr>
+                                        <p:cTn id="7" dur="500"/>
+                                        <p:tgtEl>
+                                          <p:spTgt spid="10"/>
+                                        </p:tgtEl>
+                                      </p:cBhvr>
+                                    </p:animEffect>
+                                  </p:childTnLst>
+                                </p:cTn>
+                              </p:par>
+                            </p:childTnLst>
+                          </p:cTn>
+                        </p:par>
+                      </p:childTnLst>
+                    </p:cTn>
+                  </p:par>
+                </p:childTnLst>
+              </p:cTn>
+              <p:prevCondLst>
+                <p:cond evt="onPrev" delay="0">
+                  <p:tgtEl>
+                    <p:sldTgt/>
+                  </p:tgtEl>
+                </p:cond>
+              </p:prevCondLst>
+              <p:nextCondLst>
+                <p:cond evt="onNext" delay="0">
+                  <p:tgtEl>
+                    <p:sldTgt/>
+                  </p:tgtEl>
+                </p:cond>
+              </p:nextCondLst>
+            </p:seq>
+          </p:childTnLst>
+        </p:cTn>
+      </p:par>
+    </p:tnLst>
+    <p:bldLst>
+      <p:bldP spid="10" grpId="0"/>
+    </p:bldLst>
+  </p:timing>
 </p:sld>
 </file>
 
 <file path=ppt/slides/slide16.xml><?xml version="1.0" encoding="utf-8"?>
+<p:sld xmlns:a="http://schemas.openxmlformats.org/drawingml/2006/main" xmlns:r="http://schemas.openxmlformats.org/officeDocument/2006/relationships" xmlns:p="http://schemas.openxmlformats.org/presentationml/2006/main">
+  <p:cSld>
+    <p:spTree>
+      <p:nvGrpSpPr>
+        <p:cNvPr id="1" name=""/>
+        <p:cNvGrpSpPr/>
+        <p:nvPr/>
+      </p:nvGrpSpPr>
+      <p:grpSpPr>
+        <a:xfrm>
+          <a:off x="0" y="0"/>
+          <a:ext cx="0" cy="0"/>
+          <a:chOff x="0" y="0"/>
+          <a:chExt cx="0" cy="0"/>
+        </a:xfrm>
+      </p:grpSpPr>
+      <p:graphicFrame>
+        <p:nvGraphicFramePr>
+          <p:cNvPr id="4" name="Content Placeholder 3">
+            <a:extLst>
+              <a:ext uri="{FF2B5EF4-FFF2-40B4-BE49-F238E27FC236}">
+                <a16:creationId xmlns:a16="http://schemas.microsoft.com/office/drawing/2014/main" id="{2FD24A6E-26D9-8BD1-0C13-55D192320D9B}"/>
+              </a:ext>
+            </a:extLst>
+          </p:cNvPr>
+          <p:cNvGraphicFramePr>
+            <a:graphicFrameLocks noGrp="1"/>
+          </p:cNvGraphicFramePr>
+          <p:nvPr>
+            <p:ph idx="1"/>
+            <p:extLst>
+              <p:ext uri="{D42A27DB-BD31-4B8C-83A1-F6EECF244321}">
+                <p14:modId xmlns:p14="http://schemas.microsoft.com/office/powerpoint/2010/main" val="1713399529"/>
+              </p:ext>
+            </p:extLst>
+          </p:nvPr>
+        </p:nvGraphicFramePr>
+        <p:xfrm>
+          <a:off x="605913" y="986337"/>
+          <a:ext cx="10980174" cy="4885326"/>
+        </p:xfrm>
+        <a:graphic>
+          <a:graphicData uri="http://schemas.openxmlformats.org/drawingml/2006/diagram">
+            <dgm:relIds xmlns:dgm="http://schemas.openxmlformats.org/drawingml/2006/diagram" xmlns:r="http://schemas.openxmlformats.org/officeDocument/2006/relationships" r:dm="rId2" r:lo="rId3" r:qs="rId4" r:cs="rId5"/>
+          </a:graphicData>
+        </a:graphic>
+      </p:graphicFrame>
+    </p:spTree>
+    <p:extLst>
+      <p:ext uri="{BB962C8B-B14F-4D97-AF65-F5344CB8AC3E}">
+        <p14:creationId xmlns:p14="http://schemas.microsoft.com/office/powerpoint/2010/main" val="3125122101"/>
+      </p:ext>
+    </p:extLst>
+  </p:cSld>
+  <p:clrMapOvr>
+    <a:masterClrMapping/>
+  </p:clrMapOvr>
+</p:sld>
+</file>
+
+<file path=ppt/slides/slide17.xml><?xml version="1.0" encoding="utf-8"?>
 <p:sld xmlns:a="http://schemas.openxmlformats.org/drawingml/2006/main" xmlns:r="http://schemas.openxmlformats.org/officeDocument/2006/relationships" xmlns:p="http://schemas.openxmlformats.org/presentationml/2006/main">
   <p:cSld>
     <p:spTree>
@@ -12387,7 +12532,7 @@
 </p:sld>
 </file>
 
-<file path=ppt/slides/slide17.xml><?xml version="1.0" encoding="utf-8"?>
+<file path=ppt/slides/slide18.xml><?xml version="1.0" encoding="utf-8"?>
 <p:sld xmlns:a="http://schemas.openxmlformats.org/drawingml/2006/main" xmlns:r="http://schemas.openxmlformats.org/officeDocument/2006/relationships" xmlns:p="http://schemas.openxmlformats.org/presentationml/2006/main">
   <p:cSld>
     <p:spTree>
@@ -13078,67 +13223,6 @@
     <p:extLst>
       <p:ext uri="{BB962C8B-B14F-4D97-AF65-F5344CB8AC3E}">
         <p14:creationId xmlns:p14="http://schemas.microsoft.com/office/powerpoint/2010/main" val="1614672803"/>
-      </p:ext>
-    </p:extLst>
-  </p:cSld>
-  <p:clrMapOvr>
-    <a:masterClrMapping/>
-  </p:clrMapOvr>
-</p:sld>
-</file>
-
-<file path=ppt/slides/slide18.xml><?xml version="1.0" encoding="utf-8"?>
-<p:sld xmlns:a="http://schemas.openxmlformats.org/drawingml/2006/main" xmlns:r="http://schemas.openxmlformats.org/officeDocument/2006/relationships" xmlns:p="http://schemas.openxmlformats.org/presentationml/2006/main">
-  <p:cSld>
-    <p:spTree>
-      <p:nvGrpSpPr>
-        <p:cNvPr id="1" name=""/>
-        <p:cNvGrpSpPr/>
-        <p:nvPr/>
-      </p:nvGrpSpPr>
-      <p:grpSpPr>
-        <a:xfrm>
-          <a:off x="0" y="0"/>
-          <a:ext cx="0" cy="0"/>
-          <a:chOff x="0" y="0"/>
-          <a:chExt cx="0" cy="0"/>
-        </a:xfrm>
-      </p:grpSpPr>
-      <p:graphicFrame>
-        <p:nvGraphicFramePr>
-          <p:cNvPr id="4" name="Content Placeholder 3">
-            <a:extLst>
-              <a:ext uri="{FF2B5EF4-FFF2-40B4-BE49-F238E27FC236}">
-                <a16:creationId xmlns:a16="http://schemas.microsoft.com/office/drawing/2014/main" id="{2FD24A6E-26D9-8BD1-0C13-55D192320D9B}"/>
-              </a:ext>
-            </a:extLst>
-          </p:cNvPr>
-          <p:cNvGraphicFramePr>
-            <a:graphicFrameLocks noGrp="1"/>
-          </p:cNvGraphicFramePr>
-          <p:nvPr>
-            <p:ph idx="1"/>
-            <p:extLst>
-              <p:ext uri="{D42A27DB-BD31-4B8C-83A1-F6EECF244321}">
-                <p14:modId xmlns:p14="http://schemas.microsoft.com/office/powerpoint/2010/main" val="3215108303"/>
-              </p:ext>
-            </p:extLst>
-          </p:nvPr>
-        </p:nvGraphicFramePr>
-        <p:xfrm>
-          <a:off x="605913" y="986337"/>
-          <a:ext cx="10980174" cy="4885326"/>
-        </p:xfrm>
-        <a:graphic>
-          <a:graphicData uri="http://schemas.openxmlformats.org/drawingml/2006/diagram">
-            <dgm:relIds xmlns:dgm="http://schemas.openxmlformats.org/drawingml/2006/diagram" xmlns:r="http://schemas.openxmlformats.org/officeDocument/2006/relationships" r:dm="rId2" r:lo="rId3" r:qs="rId4" r:cs="rId5"/>
-          </a:graphicData>
-        </a:graphic>
-      </p:graphicFrame>
-    </p:spTree>
-    <p:extLst>
-      <p:ext uri="{BB962C8B-B14F-4D97-AF65-F5344CB8AC3E}">
-        <p14:creationId xmlns:p14="http://schemas.microsoft.com/office/powerpoint/2010/main" val="3125122101"/>
       </p:ext>
     </p:extLst>
   </p:cSld>
@@ -13463,19 +13547,19 @@
             </a:r>
             <a:r>
               <a:rPr lang="en-US" sz="1800" b="0" u="sng" dirty="0">
-                <a:solidFill>
-                  <a:srgbClr val="3B3B3B"/>
-                </a:solidFill>
-                <a:effectLst/>
-                <a:latin typeface="Aptos Mono" panose="020B0009020202020204" pitchFamily="49" charset="0"/>
-                <a:hlinkClick r:id="rId2"/>
+                <a:effectLst/>
+                <a:latin typeface="Aptos Mono" panose="020B0009020202020204" pitchFamily="49" charset="0"/>
+                <a:hlinkClick r:id="rId2">
+                  <a:extLst>
+                    <a:ext uri="{A12FA001-AC4F-418D-AE19-62706E023703}">
+                      <ahyp:hlinkClr xmlns:ahyp="http://schemas.microsoft.com/office/drawing/2018/hyperlinkcolor" val="tx"/>
+                    </a:ext>
+                  </a:extLst>
+                </a:hlinkClick>
               </a:rPr>
               <a:t>https://github.com/qassasahmed/ip/tree/main/LABS2425/1</a:t>
             </a:r>
             <a:endParaRPr lang="en-US" sz="1800" b="0" u="sng" dirty="0">
-              <a:solidFill>
-                <a:srgbClr val="3B3B3B"/>
-              </a:solidFill>
               <a:effectLst/>
               <a:latin typeface="Aptos Mono" panose="020B0009020202020204" pitchFamily="49" charset="0"/>
             </a:endParaRPr>
@@ -15119,19 +15203,19 @@
             </a:r>
             <a:r>
               <a:rPr lang="en-US" sz="1800" b="0" u="sng" dirty="0">
-                <a:solidFill>
-                  <a:srgbClr val="3B3B3B"/>
-                </a:solidFill>
-                <a:effectLst/>
-                <a:latin typeface="Aptos Mono" panose="020B0009020202020204" pitchFamily="49" charset="0"/>
-                <a:hlinkClick r:id="rId2"/>
+                <a:effectLst/>
+                <a:latin typeface="Aptos Mono" panose="020B0009020202020204" pitchFamily="49" charset="0"/>
+                <a:hlinkClick r:id="rId2">
+                  <a:extLst>
+                    <a:ext uri="{A12FA001-AC4F-418D-AE19-62706E023703}">
+                      <ahyp:hlinkClr xmlns:ahyp="http://schemas.microsoft.com/office/drawing/2018/hyperlinkcolor" val="tx"/>
+                    </a:ext>
+                  </a:extLst>
+                </a:hlinkClick>
               </a:rPr>
               <a:t>https://github.com/qassasahmed/ip/tree/main/LABS2425/2</a:t>
             </a:r>
             <a:endParaRPr lang="en-US" sz="1800" u="sng" dirty="0">
-              <a:solidFill>
-                <a:srgbClr val="3B3B3B"/>
-              </a:solidFill>
               <a:latin typeface="Aptos Mono" panose="020B0009020202020204" pitchFamily="49" charset="0"/>
             </a:endParaRPr>
           </a:p>
@@ -17054,19 +17138,19 @@
             </a:r>
             <a:r>
               <a:rPr lang="en-US" sz="1800" b="0" u="sng" dirty="0">
-                <a:solidFill>
-                  <a:srgbClr val="3B3B3B"/>
-                </a:solidFill>
                 <a:effectLst/>
                 <a:latin typeface="Consolas" panose="020B0609020204030204" pitchFamily="49" charset="0"/>
-                <a:hlinkClick r:id="rId2"/>
+                <a:hlinkClick r:id="rId2">
+                  <a:extLst>
+                    <a:ext uri="{A12FA001-AC4F-418D-AE19-62706E023703}">
+                      <ahyp:hlinkClr xmlns:ahyp="http://schemas.microsoft.com/office/drawing/2018/hyperlinkcolor" val="tx"/>
+                    </a:ext>
+                  </a:extLst>
+                </a:hlinkClick>
               </a:rPr>
               <a:t>https://github.com/qassasahmed/ip/tree/main/LABS2425/3</a:t>
             </a:r>
             <a:endParaRPr lang="en-US" sz="1800" b="0" u="sng" dirty="0">
-              <a:solidFill>
-                <a:srgbClr val="3B3B3B"/>
-              </a:solidFill>
               <a:effectLst/>
               <a:latin typeface="Consolas" panose="020B0609020204030204" pitchFamily="49" charset="0"/>
             </a:endParaRPr>
@@ -17127,7 +17211,7 @@
                 <a:effectLst/>
                 <a:latin typeface="Consolas" panose="020B0609020204030204" pitchFamily="49" charset="0"/>
               </a:rPr>
-              <a:t>Image transformations: rescaling, resizing, and interpolation</a:t>
+              <a:t>Image transformations: rescaling, resizing, and interpolation.</a:t>
             </a:r>
           </a:p>
         </p:txBody>
@@ -18327,6 +18411,62 @@
                 <a:latin typeface="Aptos Mono" panose="020B0009020202020204" pitchFamily="49" charset="0"/>
               </a:rPr>
               <a:t>()</a:t>
+            </a:r>
+          </a:p>
+        </p:txBody>
+      </p:sp>
+      <p:sp>
+        <p:nvSpPr>
+          <p:cNvPr id="5" name="TextBox 4">
+            <a:extLst>
+              <a:ext uri="{FF2B5EF4-FFF2-40B4-BE49-F238E27FC236}">
+                <a16:creationId xmlns:a16="http://schemas.microsoft.com/office/drawing/2014/main" id="{A815B7A0-579E-9838-53EE-DECD70F7CA00}"/>
+              </a:ext>
+            </a:extLst>
+          </p:cNvPr>
+          <p:cNvSpPr txBox="1"/>
+          <p:nvPr/>
+        </p:nvSpPr>
+        <p:spPr>
+          <a:xfrm>
+            <a:off x="0" y="6581001"/>
+            <a:ext cx="12192000" cy="276999"/>
+          </a:xfrm>
+          <a:prstGeom prst="rect">
+            <a:avLst/>
+          </a:prstGeom>
+          <a:noFill/>
+        </p:spPr>
+        <p:txBody>
+          <a:bodyPr wrap="square">
+            <a:spAutoFit/>
+          </a:bodyPr>
+          <a:lstStyle/>
+          <a:p>
+            <a:r>
+              <a:rPr lang="en-US" sz="1200" b="1" dirty="0">
+                <a:latin typeface="Aptos Mono" panose="020B0009020202020204" pitchFamily="49" charset="0"/>
+              </a:rPr>
+              <a:t>Full code: </a:t>
+            </a:r>
+            <a:r>
+              <a:rPr lang="en-US" sz="1200" dirty="0">
+                <a:latin typeface="Aptos Mono" panose="020B0009020202020204" pitchFamily="49" charset="0"/>
+                <a:hlinkClick r:id="rId2">
+                  <a:extLst>
+                    <a:ext uri="{A12FA001-AC4F-418D-AE19-62706E023703}">
+                      <ahyp:hlinkClr xmlns:ahyp="http://schemas.microsoft.com/office/drawing/2018/hyperlinkcolor" val="tx"/>
+                    </a:ext>
+                  </a:extLst>
+                </a:hlinkClick>
+              </a:rPr>
+              <a:t>https://github.com/qassasahmed/ip/blob/main/LABS2425/5/Lab_5_Summary.ipynb</a:t>
+            </a:r>
+            <a:r>
+              <a:rPr lang="en-US" sz="1200" dirty="0">
+                <a:latin typeface="Aptos Mono" panose="020B0009020202020204" pitchFamily="49" charset="0"/>
+              </a:rPr>
+              <a:t> </a:t>
             </a:r>
           </a:p>
         </p:txBody>
